--- a/presentacionFlores.pptx
+++ b/presentacionFlores.pptx
@@ -121,6 +121,11 @@
       </a:defRPr>
     </a:lvl9pPr>
   </p:defaultTextStyle>
+  <p:extLst>
+    <p:ext uri="{EFAFB233-063F-42B5-8137-9DF3F51BA10A}">
+      <p15:sldGuideLst xmlns:p15="http://schemas.microsoft.com/office/powerpoint/2012/main"/>
+    </p:ext>
+  </p:extLst>
 </p:presentation>
 </file>
 
@@ -257,7 +262,7 @@
           <a:p>
             <a:fld id="{23D9C8D4-FDC2-4878-B69E-BA447A26A577}" type="datetimeFigureOut">
               <a:rPr lang="es-ES" smtClean="0"/>
-              <a:t>17/04/2021</a:t>
+              <a:t>12/05/2021</a:t>
             </a:fld>
             <a:endParaRPr lang="es-ES"/>
           </a:p>
@@ -544,7 +549,7 @@
           <a:p>
             <a:fld id="{23D9C8D4-FDC2-4878-B69E-BA447A26A577}" type="datetimeFigureOut">
               <a:rPr lang="es-ES" smtClean="0"/>
-              <a:t>17/04/2021</a:t>
+              <a:t>12/05/2021</a:t>
             </a:fld>
             <a:endParaRPr lang="es-ES"/>
           </a:p>
@@ -736,7 +741,7 @@
           <a:p>
             <a:fld id="{23D9C8D4-FDC2-4878-B69E-BA447A26A577}" type="datetimeFigureOut">
               <a:rPr lang="es-ES" smtClean="0"/>
-              <a:t>17/04/2021</a:t>
+              <a:t>12/05/2021</a:t>
             </a:fld>
             <a:endParaRPr lang="es-ES"/>
           </a:p>
@@ -997,7 +1002,7 @@
           <a:p>
             <a:fld id="{23D9C8D4-FDC2-4878-B69E-BA447A26A577}" type="datetimeFigureOut">
               <a:rPr lang="es-ES" smtClean="0"/>
-              <a:t>17/04/2021</a:t>
+              <a:t>12/05/2021</a:t>
             </a:fld>
             <a:endParaRPr lang="es-ES"/>
           </a:p>
@@ -1421,7 +1426,7 @@
           <a:p>
             <a:fld id="{23D9C8D4-FDC2-4878-B69E-BA447A26A577}" type="datetimeFigureOut">
               <a:rPr lang="es-ES" smtClean="0"/>
-              <a:t>17/04/2021</a:t>
+              <a:t>12/05/2021</a:t>
             </a:fld>
             <a:endParaRPr lang="es-ES"/>
           </a:p>
@@ -1967,7 +1972,7 @@
           <a:p>
             <a:fld id="{23D9C8D4-FDC2-4878-B69E-BA447A26A577}" type="datetimeFigureOut">
               <a:rPr lang="es-ES" smtClean="0"/>
-              <a:t>17/04/2021</a:t>
+              <a:t>12/05/2021</a:t>
             </a:fld>
             <a:endParaRPr lang="es-ES"/>
           </a:p>
@@ -2807,7 +2812,7 @@
           <a:p>
             <a:fld id="{23D9C8D4-FDC2-4878-B69E-BA447A26A577}" type="datetimeFigureOut">
               <a:rPr lang="es-ES" smtClean="0"/>
-              <a:t>17/04/2021</a:t>
+              <a:t>12/05/2021</a:t>
             </a:fld>
             <a:endParaRPr lang="es-ES"/>
           </a:p>
@@ -2977,7 +2982,7 @@
           <a:p>
             <a:fld id="{23D9C8D4-FDC2-4878-B69E-BA447A26A577}" type="datetimeFigureOut">
               <a:rPr lang="es-ES" smtClean="0"/>
-              <a:t>17/04/2021</a:t>
+              <a:t>12/05/2021</a:t>
             </a:fld>
             <a:endParaRPr lang="es-ES"/>
           </a:p>
@@ -3161,7 +3166,7 @@
           <a:p>
             <a:fld id="{23D9C8D4-FDC2-4878-B69E-BA447A26A577}" type="datetimeFigureOut">
               <a:rPr lang="es-ES" smtClean="0"/>
-              <a:t>17/04/2021</a:t>
+              <a:t>12/05/2021</a:t>
             </a:fld>
             <a:endParaRPr lang="es-ES"/>
           </a:p>
@@ -3331,7 +3336,7 @@
           <a:p>
             <a:fld id="{23D9C8D4-FDC2-4878-B69E-BA447A26A577}" type="datetimeFigureOut">
               <a:rPr lang="es-ES" smtClean="0"/>
-              <a:t>17/04/2021</a:t>
+              <a:t>12/05/2021</a:t>
             </a:fld>
             <a:endParaRPr lang="es-ES"/>
           </a:p>
@@ -3579,7 +3584,7 @@
           <a:p>
             <a:fld id="{23D9C8D4-FDC2-4878-B69E-BA447A26A577}" type="datetimeFigureOut">
               <a:rPr lang="es-ES" smtClean="0"/>
-              <a:t>17/04/2021</a:t>
+              <a:t>12/05/2021</a:t>
             </a:fld>
             <a:endParaRPr lang="es-ES"/>
           </a:p>
@@ -3816,7 +3821,7 @@
           <a:p>
             <a:fld id="{23D9C8D4-FDC2-4878-B69E-BA447A26A577}" type="datetimeFigureOut">
               <a:rPr lang="es-ES" smtClean="0"/>
-              <a:t>17/04/2021</a:t>
+              <a:t>12/05/2021</a:t>
             </a:fld>
             <a:endParaRPr lang="es-ES"/>
           </a:p>
@@ -4189,7 +4194,7 @@
           <a:p>
             <a:fld id="{23D9C8D4-FDC2-4878-B69E-BA447A26A577}" type="datetimeFigureOut">
               <a:rPr lang="es-ES" smtClean="0"/>
-              <a:t>17/04/2021</a:t>
+              <a:t>12/05/2021</a:t>
             </a:fld>
             <a:endParaRPr lang="es-ES"/>
           </a:p>
@@ -4307,7 +4312,7 @@
           <a:p>
             <a:fld id="{23D9C8D4-FDC2-4878-B69E-BA447A26A577}" type="datetimeFigureOut">
               <a:rPr lang="es-ES" smtClean="0"/>
-              <a:t>17/04/2021</a:t>
+              <a:t>12/05/2021</a:t>
             </a:fld>
             <a:endParaRPr lang="es-ES"/>
           </a:p>
@@ -4402,7 +4407,7 @@
           <a:p>
             <a:fld id="{23D9C8D4-FDC2-4878-B69E-BA447A26A577}" type="datetimeFigureOut">
               <a:rPr lang="es-ES" smtClean="0"/>
-              <a:t>17/04/2021</a:t>
+              <a:t>12/05/2021</a:t>
             </a:fld>
             <a:endParaRPr lang="es-ES"/>
           </a:p>
@@ -4653,7 +4658,7 @@
           <a:p>
             <a:fld id="{23D9C8D4-FDC2-4878-B69E-BA447A26A577}" type="datetimeFigureOut">
               <a:rPr lang="es-ES" smtClean="0"/>
-              <a:t>17/04/2021</a:t>
+              <a:t>12/05/2021</a:t>
             </a:fld>
             <a:endParaRPr lang="es-ES"/>
           </a:p>
@@ -4940,7 +4945,7 @@
           <a:p>
             <a:fld id="{23D9C8D4-FDC2-4878-B69E-BA447A26A577}" type="datetimeFigureOut">
               <a:rPr lang="es-ES" smtClean="0"/>
-              <a:t>17/04/2021</a:t>
+              <a:t>12/05/2021</a:t>
             </a:fld>
             <a:endParaRPr lang="es-ES"/>
           </a:p>
@@ -5153,7 +5158,7 @@
           <a:p>
             <a:fld id="{23D9C8D4-FDC2-4878-B69E-BA447A26A577}" type="datetimeFigureOut">
               <a:rPr lang="es-ES" smtClean="0"/>
-              <a:t>17/04/2021</a:t>
+              <a:t>12/05/2021</a:t>
             </a:fld>
             <a:endParaRPr lang="es-ES"/>
           </a:p>
@@ -5757,10 +5762,10 @@
       </p:sp>
       <p:pic>
         <p:nvPicPr>
-          <p:cNvPr id="4" name="Marcador de contenido 3">
+          <p:cNvPr id="6" name="Marcador de contenido 5">
             <a:extLst>
               <a:ext uri="{FF2B5EF4-FFF2-40B4-BE49-F238E27FC236}">
-                <a16:creationId xmlns:a16="http://schemas.microsoft.com/office/drawing/2014/main" id="{867F6B9D-5651-44BB-A1F3-0D35E0543083}"/>
+                <a16:creationId xmlns:a16="http://schemas.microsoft.com/office/drawing/2014/main" id="{1267312D-486C-48DD-BCAB-C32714A5005E}"/>
               </a:ext>
             </a:extLst>
           </p:cNvPr>
@@ -5779,8 +5784,8 @@
         </p:blipFill>
         <p:spPr>
           <a:xfrm>
-            <a:off x="1573876" y="2095500"/>
-            <a:ext cx="9044248" cy="4152900"/>
+            <a:off x="1720947" y="1935921"/>
+            <a:ext cx="8750105" cy="4312479"/>
           </a:xfrm>
           <a:prstGeom prst="rect">
             <a:avLst/>
@@ -6036,10 +6041,10 @@
       </p:sp>
       <p:pic>
         <p:nvPicPr>
-          <p:cNvPr id="4" name="Marcador de contenido 3">
+          <p:cNvPr id="7" name="Marcador de contenido 6">
             <a:extLst>
               <a:ext uri="{FF2B5EF4-FFF2-40B4-BE49-F238E27FC236}">
-                <a16:creationId xmlns:a16="http://schemas.microsoft.com/office/drawing/2014/main" id="{9EBCCAA2-FC00-4249-B45A-10BE4F00BDFC}"/>
+                <a16:creationId xmlns:a16="http://schemas.microsoft.com/office/drawing/2014/main" id="{ACAA4ECB-B484-4898-8D79-41ABCBE654F8}"/>
               </a:ext>
             </a:extLst>
           </p:cNvPr>
@@ -6058,8 +6063,8 @@
         </p:blipFill>
         <p:spPr>
           <a:xfrm>
-            <a:off x="1730365" y="2095500"/>
-            <a:ext cx="8731269" cy="4152900"/>
+            <a:off x="1910861" y="1935921"/>
+            <a:ext cx="8370278" cy="4312479"/>
           </a:xfrm>
           <a:prstGeom prst="rect">
             <a:avLst/>
@@ -6129,10 +6134,10 @@
       </p:sp>
       <p:pic>
         <p:nvPicPr>
-          <p:cNvPr id="4" name="Marcador de contenido 3">
+          <p:cNvPr id="6" name="Marcador de contenido 5">
             <a:extLst>
               <a:ext uri="{FF2B5EF4-FFF2-40B4-BE49-F238E27FC236}">
-                <a16:creationId xmlns:a16="http://schemas.microsoft.com/office/drawing/2014/main" id="{8E31E109-6113-4132-9752-92C23FA856EE}"/>
+                <a16:creationId xmlns:a16="http://schemas.microsoft.com/office/drawing/2014/main" id="{988A6C2C-75B6-4741-B686-7F5711704511}"/>
               </a:ext>
             </a:extLst>
           </p:cNvPr>
@@ -6151,8 +6156,8 @@
         </p:blipFill>
         <p:spPr>
           <a:xfrm>
-            <a:off x="1335678" y="2095500"/>
-            <a:ext cx="9520643" cy="4152900"/>
+            <a:off x="1868659" y="1935921"/>
+            <a:ext cx="8454682" cy="4312479"/>
           </a:xfrm>
           <a:prstGeom prst="rect">
             <a:avLst/>
@@ -6322,10 +6327,10 @@
       </p:sp>
       <p:pic>
         <p:nvPicPr>
-          <p:cNvPr id="4" name="Marcador de contenido 3">
+          <p:cNvPr id="6" name="Marcador de contenido 5">
             <a:extLst>
               <a:ext uri="{FF2B5EF4-FFF2-40B4-BE49-F238E27FC236}">
-                <a16:creationId xmlns:a16="http://schemas.microsoft.com/office/drawing/2014/main" id="{DC33C3B1-D39E-4A5D-BE3D-22F86E2B4554}"/>
+                <a16:creationId xmlns:a16="http://schemas.microsoft.com/office/drawing/2014/main" id="{2D329587-5D3B-4836-9365-14A8AA539343}"/>
               </a:ext>
             </a:extLst>
           </p:cNvPr>
@@ -6344,8 +6349,8 @@
         </p:blipFill>
         <p:spPr>
           <a:xfrm>
-            <a:off x="1599930" y="2095500"/>
-            <a:ext cx="8992139" cy="4152900"/>
+            <a:off x="1685778" y="1935921"/>
+            <a:ext cx="8820444" cy="4312479"/>
           </a:xfrm>
           <a:prstGeom prst="rect">
             <a:avLst/>
@@ -6415,10 +6420,10 @@
       </p:sp>
       <p:pic>
         <p:nvPicPr>
-          <p:cNvPr id="4" name="Marcador de contenido 3">
+          <p:cNvPr id="6" name="Marcador de contenido 5">
             <a:extLst>
               <a:ext uri="{FF2B5EF4-FFF2-40B4-BE49-F238E27FC236}">
-                <a16:creationId xmlns:a16="http://schemas.microsoft.com/office/drawing/2014/main" id="{2B41CA74-7F19-4D8F-BA40-4531BF0F0E0A}"/>
+                <a16:creationId xmlns:a16="http://schemas.microsoft.com/office/drawing/2014/main" id="{C758DA7F-8AA9-4674-8C37-432383D24C00}"/>
               </a:ext>
             </a:extLst>
           </p:cNvPr>
@@ -6437,8 +6442,8 @@
         </p:blipFill>
         <p:spPr>
           <a:xfrm>
-            <a:off x="1704218" y="2095500"/>
-            <a:ext cx="8783563" cy="4152900"/>
+            <a:off x="1770185" y="1935921"/>
+            <a:ext cx="8651630" cy="4312479"/>
           </a:xfrm>
           <a:prstGeom prst="rect">
             <a:avLst/>
@@ -6878,21 +6883,48 @@
           </a:p>
         </p:txBody>
       </p:sp>
-      <p:pic>
-        <p:nvPicPr>
-          <p:cNvPr id="4" name="Marcador de contenido 3">
+      <p:sp>
+        <p:nvSpPr>
+          <p:cNvPr id="10" name="Marcador de contenido 9">
             <a:extLst>
               <a:ext uri="{FF2B5EF4-FFF2-40B4-BE49-F238E27FC236}">
-                <a16:creationId xmlns:a16="http://schemas.microsoft.com/office/drawing/2014/main" id="{B66270B9-4735-4229-95D0-E86A14D52A09}"/>
+                <a16:creationId xmlns:a16="http://schemas.microsoft.com/office/drawing/2014/main" id="{E0976E05-AF39-4FA6-8366-2AB4B1B4C330}"/>
               </a:ext>
             </a:extLst>
           </p:cNvPr>
-          <p:cNvPicPr>
-            <a:picLocks noGrp="1"/>
-          </p:cNvPicPr>
+          <p:cNvSpPr>
+            <a:spLocks noGrp="1"/>
+          </p:cNvSpPr>
           <p:nvPr>
             <p:ph idx="1"/>
           </p:nvPr>
+        </p:nvSpPr>
+        <p:spPr/>
+        <p:txBody>
+          <a:bodyPr/>
+          <a:lstStyle/>
+          <a:p>
+            <a:pPr marL="0" indent="0">
+              <a:buNone/>
+            </a:pPr>
+            <a:r>
+              <a:rPr lang="es-ES" dirty="0"/>
+              <a:t> </a:t>
+            </a:r>
+          </a:p>
+        </p:txBody>
+      </p:sp>
+      <p:pic>
+        <p:nvPicPr>
+          <p:cNvPr id="11" name="Imagen 10">
+            <a:extLst>
+              <a:ext uri="{FF2B5EF4-FFF2-40B4-BE49-F238E27FC236}">
+                <a16:creationId xmlns:a16="http://schemas.microsoft.com/office/drawing/2014/main" id="{D8C5EAA0-FCF1-43B8-94F7-3B04D15256D5}"/>
+              </a:ext>
+            </a:extLst>
+          </p:cNvPr>
+          <p:cNvPicPr/>
+          <p:nvPr/>
         </p:nvPicPr>
         <p:blipFill>
           <a:blip r:embed="rId2"/>
@@ -6902,8 +6934,8 @@
         </p:blipFill>
         <p:spPr>
           <a:xfrm>
-            <a:off x="1693333" y="2095499"/>
-            <a:ext cx="8590845" cy="4011789"/>
+            <a:off x="1545101" y="1935922"/>
+            <a:ext cx="9101797" cy="4312478"/>
           </a:xfrm>
           <a:prstGeom prst="rect">
             <a:avLst/>
@@ -7252,10 +7284,10 @@
       </p:sp>
       <p:pic>
         <p:nvPicPr>
-          <p:cNvPr id="4" name="Marcador de contenido 3">
+          <p:cNvPr id="6" name="Marcador de contenido 5">
             <a:extLst>
               <a:ext uri="{FF2B5EF4-FFF2-40B4-BE49-F238E27FC236}">
-                <a16:creationId xmlns:a16="http://schemas.microsoft.com/office/drawing/2014/main" id="{363D494E-BAB2-47AE-ABE9-38C5C5535BC2}"/>
+                <a16:creationId xmlns:a16="http://schemas.microsoft.com/office/drawing/2014/main" id="{18CC461A-0A78-403A-8878-76C107F03981}"/>
               </a:ext>
             </a:extLst>
           </p:cNvPr>
@@ -7274,8 +7306,8 @@
         </p:blipFill>
         <p:spPr>
           <a:xfrm>
-            <a:off x="1774580" y="2095500"/>
-            <a:ext cx="8642839" cy="4152900"/>
+            <a:off x="1735015" y="1935921"/>
+            <a:ext cx="8721970" cy="4312479"/>
           </a:xfrm>
           <a:prstGeom prst="rect">
             <a:avLst/>
